--- a/Presentations/2018-06-11-Reston/70-533-03-Storage.PPTX
+++ b/Presentations/2018-06-11-Reston/70-533-03-Storage.PPTX
@@ -86,14 +86,14 @@
   <p:notesSz cx="6858000" cy="9144000"/>
   <p:embeddedFontLst>
     <p:embeddedFont>
-      <p:font typeface="Consolas" panose="020B0609020204030204" pitchFamily="49" charset="0"/>
+      <p:font typeface="Calibri" panose="020F0502020204030204" pitchFamily="34" charset="0"/>
       <p:regular r:id="rId74"/>
       <p:bold r:id="rId75"/>
       <p:italic r:id="rId76"/>
       <p:boldItalic r:id="rId77"/>
     </p:embeddedFont>
     <p:embeddedFont>
-      <p:font typeface="Calibri" panose="020F0502020204030204" pitchFamily="34" charset="0"/>
+      <p:font typeface="Segoe UI" panose="020B0502040204020203" pitchFamily="34" charset="0"/>
       <p:regular r:id="rId78"/>
       <p:bold r:id="rId79"/>
       <p:italic r:id="rId80"/>
@@ -105,23 +105,11 @@
       <p:italic r:id="rId83"/>
     </p:embeddedFont>
     <p:embeddedFont>
-      <p:font typeface="Segoe UI" panose="020B0502040204020203" pitchFamily="34" charset="0"/>
+      <p:font typeface="Verdana" panose="020B0604030504040204" pitchFamily="34" charset="0"/>
       <p:regular r:id="rId84"/>
       <p:bold r:id="rId85"/>
       <p:italic r:id="rId86"/>
       <p:boldItalic r:id="rId87"/>
-    </p:embeddedFont>
-    <p:embeddedFont>
-      <p:font typeface="Calibri Light" panose="020F0302020204030204" pitchFamily="34" charset="0"/>
-      <p:regular r:id="rId88"/>
-      <p:italic r:id="rId89"/>
-    </p:embeddedFont>
-    <p:embeddedFont>
-      <p:font typeface="Verdana" panose="020B0604030504040204" pitchFamily="34" charset="0"/>
-      <p:regular r:id="rId90"/>
-      <p:bold r:id="rId91"/>
-      <p:italic r:id="rId92"/>
-      <p:boldItalic r:id="rId93"/>
     </p:embeddedFont>
   </p:embeddedFontLst>
   <p:defaultTextStyle>
@@ -1865,7 +1853,7 @@
 <dgm:dataModel xmlns:dgm="http://schemas.openxmlformats.org/drawingml/2006/diagram" xmlns:a="http://schemas.openxmlformats.org/drawingml/2006/main">
   <dgm:ptLst>
     <dgm:pt modelId="{8443362E-2C91-40C4-A123-09F38874C635}" type="doc">
-      <dgm:prSet loTypeId="urn:microsoft.com/office/officeart/2005/8/layout/vList2" loCatId="list" qsTypeId="urn:microsoft.com/office/officeart/2005/8/quickstyle/3d1" qsCatId="3D" csTypeId="urn:microsoft.com/office/officeart/2005/8/colors/accent2_2" csCatId="accent2"/>
+      <dgm:prSet loTypeId="urn:microsoft.com/office/officeart/2005/8/layout/vList2" loCatId="list" qsTypeId="urn:microsoft.com/office/officeart/2005/8/quickstyle/3d1" qsCatId="3D" csTypeId="urn:microsoft.com/office/officeart/2005/8/colors/accent2_2" csCatId="accent2" phldr="1"/>
       <dgm:spPr/>
       <dgm:t>
         <a:bodyPr/>
@@ -2018,11 +2006,11 @@
         <a:lstStyle/>
         <a:p>
           <a:r>
-            <a:rPr lang="en-US">
+            <a:rPr lang="en-US" dirty="0">
               <a:latin typeface="Segoe UI" panose="020B0502040204020203" pitchFamily="34" charset="0"/>
               <a:cs typeface="Segoe UI" panose="020B0502040204020203" pitchFamily="34" charset="0"/>
             </a:rPr>
-            <a:t>Zone-redundant storage (LRS)</a:t>
+            <a:t>Zone-redundant storage (ZRS)</a:t>
           </a:r>
         </a:p>
       </dgm:t>
@@ -2243,11 +2231,11 @@
         <a:lstStyle/>
         <a:p>
           <a:r>
-            <a:rPr lang="en-US">
+            <a:rPr lang="en-US" dirty="0">
               <a:latin typeface="Segoe UI" panose="020B0502040204020203" pitchFamily="34" charset="0"/>
               <a:cs typeface="Segoe UI" panose="020B0502040204020203" pitchFamily="34" charset="0"/>
             </a:rPr>
-            <a:t>Six copies replicated in primary region</a:t>
+            <a:t>3 copies replicated in selected location (region)</a:t>
           </a:r>
         </a:p>
       </dgm:t>
@@ -2288,11 +2276,11 @@
         <a:lstStyle/>
         <a:p>
           <a:r>
-            <a:rPr lang="en-US">
+            <a:rPr lang="en-US" dirty="0">
               <a:latin typeface="Segoe UI" panose="020B0502040204020203" pitchFamily="34" charset="0"/>
               <a:cs typeface="Segoe UI" panose="020B0502040204020203" pitchFamily="34" charset="0"/>
             </a:rPr>
-            <a:t>3 more copies are replicated in a secondary region</a:t>
+            <a:t>3 more copies are replicated in a paired region – 6 Total</a:t>
           </a:r>
         </a:p>
       </dgm:t>
@@ -2579,7 +2567,7 @@
   <dgm:whole/>
   <dgm:extLst>
     <a:ext uri="http://schemas.microsoft.com/office/drawing/2008/diagram">
-      <dsp:dataModelExt xmlns:dsp="http://schemas.microsoft.com/office/drawing/2008/diagram" relId="rId6" minVer="http://schemas.openxmlformats.org/drawingml/2006/diagram"/>
+      <dsp:dataModelExt xmlns:dsp="http://schemas.microsoft.com/office/drawing/2008/diagram" relId="rId7" minVer="http://schemas.openxmlformats.org/drawingml/2006/diagram"/>
     </a:ext>
   </dgm:extLst>
 </dgm:dataModel>
@@ -3729,11 +3717,11 @@
             <a:buNone/>
           </a:pPr>
           <a:r>
-            <a:rPr lang="en-US" sz="2200" kern="1200">
+            <a:rPr lang="en-US" sz="2200" kern="1200" dirty="0">
               <a:latin typeface="Segoe UI" panose="020B0502040204020203" pitchFamily="34" charset="0"/>
               <a:cs typeface="Segoe UI" panose="020B0502040204020203" pitchFamily="34" charset="0"/>
             </a:rPr>
-            <a:t>Zone-redundant storage (LRS)</a:t>
+            <a:t>Zone-redundant storage (ZRS)</a:t>
           </a:r>
         </a:p>
       </dsp:txBody>
@@ -4010,11 +3998,11 @@
             <a:buChar char="•"/>
           </a:pPr>
           <a:r>
-            <a:rPr lang="en-US" sz="1700" kern="1200">
+            <a:rPr lang="en-US" sz="1700" kern="1200" dirty="0">
               <a:latin typeface="Segoe UI" panose="020B0502040204020203" pitchFamily="34" charset="0"/>
               <a:cs typeface="Segoe UI" panose="020B0502040204020203" pitchFamily="34" charset="0"/>
             </a:rPr>
-            <a:t>Six copies replicated in primary region</a:t>
+            <a:t>3 copies replicated in selected location (region)</a:t>
           </a:r>
         </a:p>
         <a:p>
@@ -4031,11 +4019,11 @@
             <a:buChar char="•"/>
           </a:pPr>
           <a:r>
-            <a:rPr lang="en-US" sz="1700" kern="1200">
+            <a:rPr lang="en-US" sz="1700" kern="1200" dirty="0">
               <a:latin typeface="Segoe UI" panose="020B0502040204020203" pitchFamily="34" charset="0"/>
               <a:cs typeface="Segoe UI" panose="020B0502040204020203" pitchFamily="34" charset="0"/>
             </a:rPr>
-            <a:t>3 more copies are replicated in a secondary region</a:t>
+            <a:t>3 more copies are replicated in a paired region – 6 Total</a:t>
           </a:r>
         </a:p>
       </dsp:txBody>
@@ -7880,7 +7868,7 @@
           <a:p>
             <a:fld id="{7D784404-57E5-4341-9230-5EC072B8C3C5}" type="datetimeFigureOut">
               <a:rPr lang="en-US" smtClean="0"/>
-              <a:t>2/27/2018</a:t>
+              <a:t>6/13/2018</a:t>
             </a:fld>
             <a:endParaRPr lang="en-US"/>
           </a:p>
@@ -8057,7 +8045,7 @@
           <a:p>
             <a:fld id="{9933EFA3-31EF-403B-8080-9776000D59FF}" type="datetimeFigureOut">
               <a:rPr lang="en-US" smtClean="0"/>
-              <a:t>2/27/2018</a:t>
+              <a:t>6/13/2018</a:t>
             </a:fld>
             <a:endParaRPr lang="en-US" dirty="0"/>
           </a:p>
@@ -9109,7 +9097,134 @@
           <a:bodyPr/>
           <a:lstStyle/>
           <a:p>
-            <a:endParaRPr lang="en-US" dirty="0"/>
+            <a:pPr algn="l">
+              <a:buFont typeface="+mj-lt"/>
+              <a:buAutoNum type="arabicPeriod"/>
+            </a:pPr>
+            <a:r>
+              <a:rPr lang="en-US" b="0" i="0" u="none" strike="noStrike" dirty="0">
+                <a:solidFill>
+                  <a:srgbClr val="000000"/>
+                </a:solidFill>
+                <a:effectLst/>
+                <a:latin typeface="Segoe UI" panose="020B0502040204020203" pitchFamily="34" charset="0"/>
+                <a:cs typeface="Segoe UI" panose="020B0502040204020203" pitchFamily="34" charset="0"/>
+              </a:rPr>
+              <a:t>A user (Alice) requests a file (also called an asset) using a URL with a special domain name, such as &lt;</a:t>
+            </a:r>
+            <a:r>
+              <a:rPr lang="en-US" b="0" i="0" u="none" strike="noStrike" dirty="0" err="1">
+                <a:solidFill>
+                  <a:srgbClr val="000000"/>
+                </a:solidFill>
+                <a:effectLst/>
+                <a:latin typeface="Segoe UI" panose="020B0502040204020203" pitchFamily="34" charset="0"/>
+                <a:cs typeface="Segoe UI" panose="020B0502040204020203" pitchFamily="34" charset="0"/>
+              </a:rPr>
+              <a:t>endpointname</a:t>
+            </a:r>
+            <a:r>
+              <a:rPr lang="en-US" b="0" i="0" u="none" strike="noStrike" dirty="0">
+                <a:solidFill>
+                  <a:srgbClr val="000000"/>
+                </a:solidFill>
+                <a:effectLst/>
+                <a:latin typeface="Segoe UI" panose="020B0502040204020203" pitchFamily="34" charset="0"/>
+                <a:cs typeface="Segoe UI" panose="020B0502040204020203" pitchFamily="34" charset="0"/>
+              </a:rPr>
+              <a:t>&gt;.azureedge.net. DNS routes the request to the best performing Point-of-Presence (POP) location, which is usually the POP that is geographically closest to the user.</a:t>
+            </a:r>
+          </a:p>
+          <a:p>
+            <a:pPr algn="l">
+              <a:buFont typeface="+mj-lt"/>
+              <a:buAutoNum type="arabicPeriod"/>
+            </a:pPr>
+            <a:r>
+              <a:rPr lang="en-US" b="0" i="0" u="none" strike="noStrike" dirty="0">
+                <a:solidFill>
+                  <a:srgbClr val="000000"/>
+                </a:solidFill>
+                <a:effectLst/>
+                <a:latin typeface="Segoe UI" panose="020B0502040204020203" pitchFamily="34" charset="0"/>
+                <a:cs typeface="Segoe UI" panose="020B0502040204020203" pitchFamily="34" charset="0"/>
+              </a:rPr>
+              <a:t>If the edge servers in the POP do not have the file in their cache, the edge server requests the file from the origin. The origin can be an Azure Web App, Azure Cloud Service, Azure Storage account, or any publicly accessible web server.</a:t>
+            </a:r>
+          </a:p>
+          <a:p>
+            <a:pPr algn="l">
+              <a:buFont typeface="+mj-lt"/>
+              <a:buAutoNum type="arabicPeriod"/>
+            </a:pPr>
+            <a:r>
+              <a:rPr lang="en-US" b="0" i="0" u="none" strike="noStrike" dirty="0">
+                <a:solidFill>
+                  <a:srgbClr val="000000"/>
+                </a:solidFill>
+                <a:effectLst/>
+                <a:latin typeface="Segoe UI" panose="020B0502040204020203" pitchFamily="34" charset="0"/>
+                <a:cs typeface="Segoe UI" panose="020B0502040204020203" pitchFamily="34" charset="0"/>
+              </a:rPr>
+              <a:t>The origin returns the file to the edge server, including optional HTTP headers describing the file's Time-to-Live (TTL).</a:t>
+            </a:r>
+          </a:p>
+          <a:p>
+            <a:pPr algn="l">
+              <a:buFont typeface="+mj-lt"/>
+              <a:buAutoNum type="arabicPeriod"/>
+            </a:pPr>
+            <a:r>
+              <a:rPr lang="en-US" b="0" i="0" u="none" strike="noStrike" dirty="0">
+                <a:solidFill>
+                  <a:srgbClr val="000000"/>
+                </a:solidFill>
+                <a:effectLst/>
+                <a:latin typeface="Segoe UI" panose="020B0502040204020203" pitchFamily="34" charset="0"/>
+                <a:cs typeface="Segoe UI" panose="020B0502040204020203" pitchFamily="34" charset="0"/>
+              </a:rPr>
+              <a:t>The edge server caches the file and returns the file to the original requestor (Alice). The file remains cached on the edge server until the TTL expires. If the origin didn't specify a TTL, the default TTL is seven days.</a:t>
+            </a:r>
+          </a:p>
+          <a:p>
+            <a:pPr algn="l">
+              <a:buFont typeface="+mj-lt"/>
+              <a:buAutoNum type="arabicPeriod"/>
+            </a:pPr>
+            <a:r>
+              <a:rPr lang="en-US" b="0" i="0" u="none" strike="noStrike" dirty="0">
+                <a:solidFill>
+                  <a:srgbClr val="000000"/>
+                </a:solidFill>
+                <a:effectLst/>
+                <a:latin typeface="Segoe UI" panose="020B0502040204020203" pitchFamily="34" charset="0"/>
+                <a:cs typeface="Segoe UI" panose="020B0502040204020203" pitchFamily="34" charset="0"/>
+              </a:rPr>
+              <a:t>Additional users may then request the same file using that same URL, and may also be directed to that same POP.</a:t>
+            </a:r>
+          </a:p>
+          <a:p>
+            <a:pPr algn="l">
+              <a:buFont typeface="+mj-lt"/>
+              <a:buAutoNum type="arabicPeriod"/>
+            </a:pPr>
+            <a:r>
+              <a:rPr lang="en-US" b="0" i="0" u="none" strike="noStrike" dirty="0">
+                <a:solidFill>
+                  <a:srgbClr val="000000"/>
+                </a:solidFill>
+                <a:effectLst/>
+                <a:latin typeface="Segoe UI" panose="020B0502040204020203" pitchFamily="34" charset="0"/>
+                <a:cs typeface="Segoe UI" panose="020B0502040204020203" pitchFamily="34" charset="0"/>
+              </a:rPr>
+              <a:t>If the TTL for the file hasn't expired, the edge server returns the file from the cache. This process results in a faster, more responsive user experience.</a:t>
+            </a:r>
+          </a:p>
+          <a:p>
+            <a:endParaRPr lang="en-US" dirty="0">
+              <a:latin typeface="Segoe UI" panose="020B0502040204020203" pitchFamily="34" charset="0"/>
+              <a:cs typeface="Segoe UI" panose="020B0502040204020203" pitchFamily="34" charset="0"/>
+            </a:endParaRPr>
           </a:p>
         </p:txBody>
       </p:sp>
@@ -9130,7 +9245,7 @@
           <a:p>
             <a:fld id="{F19E9337-0361-41F3-9C17-1F4FFD1214BA}" type="slidenum">
               <a:rPr lang="en-US" smtClean="0"/>
-              <a:t>34</a:t>
+              <a:t>33</a:t>
             </a:fld>
             <a:endParaRPr lang="en-US" dirty="0"/>
           </a:p>
@@ -9139,7 +9254,7 @@
     </p:spTree>
     <p:extLst>
       <p:ext uri="{BB962C8B-B14F-4D97-AF65-F5344CB8AC3E}">
-        <p14:creationId xmlns:p14="http://schemas.microsoft.com/office/powerpoint/2010/main" val="805834571"/>
+        <p14:creationId xmlns:p14="http://schemas.microsoft.com/office/powerpoint/2010/main" val="1493123896"/>
       </p:ext>
     </p:extLst>
   </p:cSld>
@@ -9198,7 +9313,7 @@
           <a:bodyPr/>
           <a:lstStyle/>
           <a:p>
-            <a:endParaRPr lang="en-US"/>
+            <a:endParaRPr lang="en-US" dirty="0"/>
           </a:p>
         </p:txBody>
       </p:sp>
@@ -9219,7 +9334,7 @@
           <a:p>
             <a:fld id="{F19E9337-0361-41F3-9C17-1F4FFD1214BA}" type="slidenum">
               <a:rPr lang="en-US" smtClean="0"/>
-              <a:t>36</a:t>
+              <a:t>34</a:t>
             </a:fld>
             <a:endParaRPr lang="en-US" dirty="0"/>
           </a:p>
@@ -9228,7 +9343,7 @@
     </p:spTree>
     <p:extLst>
       <p:ext uri="{BB962C8B-B14F-4D97-AF65-F5344CB8AC3E}">
-        <p14:creationId xmlns:p14="http://schemas.microsoft.com/office/powerpoint/2010/main" val="1739143907"/>
+        <p14:creationId xmlns:p14="http://schemas.microsoft.com/office/powerpoint/2010/main" val="805834571"/>
       </p:ext>
     </p:extLst>
   </p:cSld>
@@ -9308,7 +9423,7 @@
           <a:p>
             <a:fld id="{F19E9337-0361-41F3-9C17-1F4FFD1214BA}" type="slidenum">
               <a:rPr lang="en-US" smtClean="0"/>
-              <a:t>47</a:t>
+              <a:t>36</a:t>
             </a:fld>
             <a:endParaRPr lang="en-US" dirty="0"/>
           </a:p>
@@ -9317,7 +9432,7 @@
     </p:spTree>
     <p:extLst>
       <p:ext uri="{BB962C8B-B14F-4D97-AF65-F5344CB8AC3E}">
-        <p14:creationId xmlns:p14="http://schemas.microsoft.com/office/powerpoint/2010/main" val="2315361192"/>
+        <p14:creationId xmlns:p14="http://schemas.microsoft.com/office/powerpoint/2010/main" val="1739143907"/>
       </p:ext>
     </p:extLst>
   </p:cSld>
@@ -9376,7 +9491,7 @@
           <a:bodyPr/>
           <a:lstStyle/>
           <a:p>
-            <a:endParaRPr lang="en-US" dirty="0"/>
+            <a:endParaRPr lang="en-US"/>
           </a:p>
         </p:txBody>
       </p:sp>
@@ -9397,7 +9512,7 @@
           <a:p>
             <a:fld id="{F19E9337-0361-41F3-9C17-1F4FFD1214BA}" type="slidenum">
               <a:rPr lang="en-US" smtClean="0"/>
-              <a:t>55</a:t>
+              <a:t>47</a:t>
             </a:fld>
             <a:endParaRPr lang="en-US" dirty="0"/>
           </a:p>
@@ -9406,7 +9521,7 @@
     </p:spTree>
     <p:extLst>
       <p:ext uri="{BB962C8B-B14F-4D97-AF65-F5344CB8AC3E}">
-        <p14:creationId xmlns:p14="http://schemas.microsoft.com/office/powerpoint/2010/main" val="3961062203"/>
+        <p14:creationId xmlns:p14="http://schemas.microsoft.com/office/powerpoint/2010/main" val="2315361192"/>
       </p:ext>
     </p:extLst>
   </p:cSld>
@@ -9465,7 +9580,7 @@
           <a:bodyPr/>
           <a:lstStyle/>
           <a:p>
-            <a:endParaRPr lang="en-US"/>
+            <a:endParaRPr lang="en-US" dirty="0"/>
           </a:p>
         </p:txBody>
       </p:sp>
@@ -9486,7 +9601,7 @@
           <a:p>
             <a:fld id="{F19E9337-0361-41F3-9C17-1F4FFD1214BA}" type="slidenum">
               <a:rPr lang="en-US" smtClean="0"/>
-              <a:t>56</a:t>
+              <a:t>55</a:t>
             </a:fld>
             <a:endParaRPr lang="en-US" dirty="0"/>
           </a:p>
@@ -9495,7 +9610,7 @@
     </p:spTree>
     <p:extLst>
       <p:ext uri="{BB962C8B-B14F-4D97-AF65-F5344CB8AC3E}">
-        <p14:creationId xmlns:p14="http://schemas.microsoft.com/office/powerpoint/2010/main" val="1615013471"/>
+        <p14:creationId xmlns:p14="http://schemas.microsoft.com/office/powerpoint/2010/main" val="3961062203"/>
       </p:ext>
     </p:extLst>
   </p:cSld>
@@ -9575,7 +9690,7 @@
           <a:p>
             <a:fld id="{F19E9337-0361-41F3-9C17-1F4FFD1214BA}" type="slidenum">
               <a:rPr lang="en-US" smtClean="0"/>
-              <a:t>61</a:t>
+              <a:t>56</a:t>
             </a:fld>
             <a:endParaRPr lang="en-US" dirty="0"/>
           </a:p>
@@ -9584,7 +9699,7 @@
     </p:spTree>
     <p:extLst>
       <p:ext uri="{BB962C8B-B14F-4D97-AF65-F5344CB8AC3E}">
-        <p14:creationId xmlns:p14="http://schemas.microsoft.com/office/powerpoint/2010/main" val="2831611355"/>
+        <p14:creationId xmlns:p14="http://schemas.microsoft.com/office/powerpoint/2010/main" val="1615013471"/>
       </p:ext>
     </p:extLst>
   </p:cSld>
@@ -9664,7 +9779,7 @@
           <a:p>
             <a:fld id="{F19E9337-0361-41F3-9C17-1F4FFD1214BA}" type="slidenum">
               <a:rPr lang="en-US" smtClean="0"/>
-              <a:t>62</a:t>
+              <a:t>61</a:t>
             </a:fld>
             <a:endParaRPr lang="en-US" dirty="0"/>
           </a:p>
@@ -9673,7 +9788,7 @@
     </p:spTree>
     <p:extLst>
       <p:ext uri="{BB962C8B-B14F-4D97-AF65-F5344CB8AC3E}">
-        <p14:creationId xmlns:p14="http://schemas.microsoft.com/office/powerpoint/2010/main" val="2498243539"/>
+        <p14:creationId xmlns:p14="http://schemas.microsoft.com/office/powerpoint/2010/main" val="2831611355"/>
       </p:ext>
     </p:extLst>
   </p:cSld>
@@ -9753,7 +9868,7 @@
           <a:p>
             <a:fld id="{F19E9337-0361-41F3-9C17-1F4FFD1214BA}" type="slidenum">
               <a:rPr lang="en-US" smtClean="0"/>
-              <a:t>63</a:t>
+              <a:t>62</a:t>
             </a:fld>
             <a:endParaRPr lang="en-US" dirty="0"/>
           </a:p>
@@ -9762,7 +9877,7 @@
     </p:spTree>
     <p:extLst>
       <p:ext uri="{BB962C8B-B14F-4D97-AF65-F5344CB8AC3E}">
-        <p14:creationId xmlns:p14="http://schemas.microsoft.com/office/powerpoint/2010/main" val="3706503486"/>
+        <p14:creationId xmlns:p14="http://schemas.microsoft.com/office/powerpoint/2010/main" val="2498243539"/>
       </p:ext>
     </p:extLst>
   </p:cSld>
@@ -9842,7 +9957,7 @@
           <a:p>
             <a:fld id="{F19E9337-0361-41F3-9C17-1F4FFD1214BA}" type="slidenum">
               <a:rPr lang="en-US" smtClean="0"/>
-              <a:t>64</a:t>
+              <a:t>63</a:t>
             </a:fld>
             <a:endParaRPr lang="en-US" dirty="0"/>
           </a:p>
@@ -9851,7 +9966,7 @@
     </p:spTree>
     <p:extLst>
       <p:ext uri="{BB962C8B-B14F-4D97-AF65-F5344CB8AC3E}">
-        <p14:creationId xmlns:p14="http://schemas.microsoft.com/office/powerpoint/2010/main" val="3138015719"/>
+        <p14:creationId xmlns:p14="http://schemas.microsoft.com/office/powerpoint/2010/main" val="3706503486"/>
       </p:ext>
     </p:extLst>
   </p:cSld>
@@ -9931,7 +10046,7 @@
           <a:p>
             <a:fld id="{F19E9337-0361-41F3-9C17-1F4FFD1214BA}" type="slidenum">
               <a:rPr lang="en-US" smtClean="0"/>
-              <a:t>65</a:t>
+              <a:t>64</a:t>
             </a:fld>
             <a:endParaRPr lang="en-US" dirty="0"/>
           </a:p>
@@ -9940,7 +10055,7 @@
     </p:spTree>
     <p:extLst>
       <p:ext uri="{BB962C8B-B14F-4D97-AF65-F5344CB8AC3E}">
-        <p14:creationId xmlns:p14="http://schemas.microsoft.com/office/powerpoint/2010/main" val="3508168538"/>
+        <p14:creationId xmlns:p14="http://schemas.microsoft.com/office/powerpoint/2010/main" val="3138015719"/>
       </p:ext>
     </p:extLst>
   </p:cSld>
@@ -10136,7 +10251,7 @@
           <a:p>
             <a:fld id="{F19E9337-0361-41F3-9C17-1F4FFD1214BA}" type="slidenum">
               <a:rPr lang="en-US" smtClean="0"/>
-              <a:t>66</a:t>
+              <a:t>65</a:t>
             </a:fld>
             <a:endParaRPr lang="en-US" dirty="0"/>
           </a:p>
@@ -10145,7 +10260,7 @@
     </p:spTree>
     <p:extLst>
       <p:ext uri="{BB962C8B-B14F-4D97-AF65-F5344CB8AC3E}">
-        <p14:creationId xmlns:p14="http://schemas.microsoft.com/office/powerpoint/2010/main" val="2268659710"/>
+        <p14:creationId xmlns:p14="http://schemas.microsoft.com/office/powerpoint/2010/main" val="3508168538"/>
       </p:ext>
     </p:extLst>
   </p:cSld>
@@ -10225,7 +10340,7 @@
           <a:p>
             <a:fld id="{F19E9337-0361-41F3-9C17-1F4FFD1214BA}" type="slidenum">
               <a:rPr lang="en-US" smtClean="0"/>
-              <a:t>67</a:t>
+              <a:t>66</a:t>
             </a:fld>
             <a:endParaRPr lang="en-US" dirty="0"/>
           </a:p>
@@ -10234,7 +10349,7 @@
     </p:spTree>
     <p:extLst>
       <p:ext uri="{BB962C8B-B14F-4D97-AF65-F5344CB8AC3E}">
-        <p14:creationId xmlns:p14="http://schemas.microsoft.com/office/powerpoint/2010/main" val="298412261"/>
+        <p14:creationId xmlns:p14="http://schemas.microsoft.com/office/powerpoint/2010/main" val="2268659710"/>
       </p:ext>
     </p:extLst>
   </p:cSld>
@@ -10293,6 +10408,95 @@
           <a:bodyPr/>
           <a:lstStyle/>
           <a:p>
+            <a:endParaRPr lang="en-US"/>
+          </a:p>
+        </p:txBody>
+      </p:sp>
+      <p:sp>
+        <p:nvSpPr>
+          <p:cNvPr id="4" name="Slide Number Placeholder 3"/>
+          <p:cNvSpPr>
+            <a:spLocks noGrp="1"/>
+          </p:cNvSpPr>
+          <p:nvPr>
+            <p:ph type="sldNum" sz="quarter" idx="10"/>
+          </p:nvPr>
+        </p:nvSpPr>
+        <p:spPr/>
+        <p:txBody>
+          <a:bodyPr/>
+          <a:lstStyle/>
+          <a:p>
+            <a:fld id="{F19E9337-0361-41F3-9C17-1F4FFD1214BA}" type="slidenum">
+              <a:rPr lang="en-US" smtClean="0"/>
+              <a:t>67</a:t>
+            </a:fld>
+            <a:endParaRPr lang="en-US" dirty="0"/>
+          </a:p>
+        </p:txBody>
+      </p:sp>
+    </p:spTree>
+    <p:extLst>
+      <p:ext uri="{BB962C8B-B14F-4D97-AF65-F5344CB8AC3E}">
+        <p14:creationId xmlns:p14="http://schemas.microsoft.com/office/powerpoint/2010/main" val="298412261"/>
+      </p:ext>
+    </p:extLst>
+  </p:cSld>
+  <p:clrMapOvr>
+    <a:masterClrMapping/>
+  </p:clrMapOvr>
+</p:notes>
+</file>
+
+<file path=ppt/notesSlides/notesSlide23.xml><?xml version="1.0" encoding="utf-8"?>
+<p:notes xmlns:a="http://schemas.openxmlformats.org/drawingml/2006/main" xmlns:r="http://schemas.openxmlformats.org/officeDocument/2006/relationships" xmlns:p="http://schemas.openxmlformats.org/presentationml/2006/main">
+  <p:cSld>
+    <p:spTree>
+      <p:nvGrpSpPr>
+        <p:cNvPr id="1" name=""/>
+        <p:cNvGrpSpPr/>
+        <p:nvPr/>
+      </p:nvGrpSpPr>
+      <p:grpSpPr>
+        <a:xfrm>
+          <a:off x="0" y="0"/>
+          <a:ext cx="0" cy="0"/>
+          <a:chOff x="0" y="0"/>
+          <a:chExt cx="0" cy="0"/>
+        </a:xfrm>
+      </p:grpSpPr>
+      <p:sp>
+        <p:nvSpPr>
+          <p:cNvPr id="2" name="Slide Image Placeholder 1"/>
+          <p:cNvSpPr>
+            <a:spLocks noGrp="1" noRot="1" noChangeAspect="1"/>
+          </p:cNvSpPr>
+          <p:nvPr>
+            <p:ph type="sldImg"/>
+          </p:nvPr>
+        </p:nvSpPr>
+        <p:spPr>
+          <a:xfrm>
+            <a:off x="4325938" y="73025"/>
+            <a:ext cx="2466975" cy="1851025"/>
+          </a:xfrm>
+        </p:spPr>
+      </p:sp>
+      <p:sp>
+        <p:nvSpPr>
+          <p:cNvPr id="3" name="Notes Placeholder 2"/>
+          <p:cNvSpPr>
+            <a:spLocks noGrp="1"/>
+          </p:cNvSpPr>
+          <p:nvPr>
+            <p:ph type="body" idx="1"/>
+          </p:nvPr>
+        </p:nvSpPr>
+        <p:spPr/>
+        <p:txBody>
+          <a:bodyPr/>
+          <a:lstStyle/>
+          <a:p>
             <a:endParaRPr lang="en-US" dirty="0"/>
           </a:p>
         </p:txBody>
@@ -10333,7 +10537,7 @@
 </p:notes>
 </file>
 
-<file path=ppt/notesSlides/notesSlide23.xml><?xml version="1.0" encoding="utf-8"?>
+<file path=ppt/notesSlides/notesSlide24.xml><?xml version="1.0" encoding="utf-8"?>
 <p:notes xmlns:a="http://schemas.openxmlformats.org/drawingml/2006/main" xmlns:r="http://schemas.openxmlformats.org/officeDocument/2006/relationships" xmlns:p="http://schemas.openxmlformats.org/presentationml/2006/main">
   <p:cSld>
     <p:spTree>
@@ -11866,134 +12070,7 @@
           <a:bodyPr/>
           <a:lstStyle/>
           <a:p>
-            <a:pPr algn="l">
-              <a:buFont typeface="+mj-lt"/>
-              <a:buAutoNum type="arabicPeriod"/>
-            </a:pPr>
-            <a:r>
-              <a:rPr lang="en-US" b="0" i="0" u="none" strike="noStrike" dirty="0">
-                <a:solidFill>
-                  <a:srgbClr val="000000"/>
-                </a:solidFill>
-                <a:effectLst/>
-                <a:latin typeface="Segoe UI" panose="020B0502040204020203" pitchFamily="34" charset="0"/>
-                <a:cs typeface="Segoe UI" panose="020B0502040204020203" pitchFamily="34" charset="0"/>
-              </a:rPr>
-              <a:t>A user (Alice) requests a file (also called an asset) using a URL with a special domain name, such as &lt;</a:t>
-            </a:r>
-            <a:r>
-              <a:rPr lang="en-US" b="0" i="0" u="none" strike="noStrike" dirty="0" err="1">
-                <a:solidFill>
-                  <a:srgbClr val="000000"/>
-                </a:solidFill>
-                <a:effectLst/>
-                <a:latin typeface="Segoe UI" panose="020B0502040204020203" pitchFamily="34" charset="0"/>
-                <a:cs typeface="Segoe UI" panose="020B0502040204020203" pitchFamily="34" charset="0"/>
-              </a:rPr>
-              <a:t>endpointname</a:t>
-            </a:r>
-            <a:r>
-              <a:rPr lang="en-US" b="0" i="0" u="none" strike="noStrike" dirty="0">
-                <a:solidFill>
-                  <a:srgbClr val="000000"/>
-                </a:solidFill>
-                <a:effectLst/>
-                <a:latin typeface="Segoe UI" panose="020B0502040204020203" pitchFamily="34" charset="0"/>
-                <a:cs typeface="Segoe UI" panose="020B0502040204020203" pitchFamily="34" charset="0"/>
-              </a:rPr>
-              <a:t>&gt;.azureedge.net. DNS routes the request to the best performing Point-of-Presence (POP) location, which is usually the POP that is geographically closest to the user.</a:t>
-            </a:r>
-          </a:p>
-          <a:p>
-            <a:pPr algn="l">
-              <a:buFont typeface="+mj-lt"/>
-              <a:buAutoNum type="arabicPeriod"/>
-            </a:pPr>
-            <a:r>
-              <a:rPr lang="en-US" b="0" i="0" u="none" strike="noStrike" dirty="0">
-                <a:solidFill>
-                  <a:srgbClr val="000000"/>
-                </a:solidFill>
-                <a:effectLst/>
-                <a:latin typeface="Segoe UI" panose="020B0502040204020203" pitchFamily="34" charset="0"/>
-                <a:cs typeface="Segoe UI" panose="020B0502040204020203" pitchFamily="34" charset="0"/>
-              </a:rPr>
-              <a:t>If the edge servers in the POP do not have the file in their cache, the edge server requests the file from the origin. The origin can be an Azure Web App, Azure Cloud Service, Azure Storage account, or any publicly accessible web server.</a:t>
-            </a:r>
-          </a:p>
-          <a:p>
-            <a:pPr algn="l">
-              <a:buFont typeface="+mj-lt"/>
-              <a:buAutoNum type="arabicPeriod"/>
-            </a:pPr>
-            <a:r>
-              <a:rPr lang="en-US" b="0" i="0" u="none" strike="noStrike" dirty="0">
-                <a:solidFill>
-                  <a:srgbClr val="000000"/>
-                </a:solidFill>
-                <a:effectLst/>
-                <a:latin typeface="Segoe UI" panose="020B0502040204020203" pitchFamily="34" charset="0"/>
-                <a:cs typeface="Segoe UI" panose="020B0502040204020203" pitchFamily="34" charset="0"/>
-              </a:rPr>
-              <a:t>The origin returns the file to the edge server, including optional HTTP headers describing the file's Time-to-Live (TTL).</a:t>
-            </a:r>
-          </a:p>
-          <a:p>
-            <a:pPr algn="l">
-              <a:buFont typeface="+mj-lt"/>
-              <a:buAutoNum type="arabicPeriod"/>
-            </a:pPr>
-            <a:r>
-              <a:rPr lang="en-US" b="0" i="0" u="none" strike="noStrike" dirty="0">
-                <a:solidFill>
-                  <a:srgbClr val="000000"/>
-                </a:solidFill>
-                <a:effectLst/>
-                <a:latin typeface="Segoe UI" panose="020B0502040204020203" pitchFamily="34" charset="0"/>
-                <a:cs typeface="Segoe UI" panose="020B0502040204020203" pitchFamily="34" charset="0"/>
-              </a:rPr>
-              <a:t>The edge server caches the file and returns the file to the original requestor (Alice). The file remains cached on the edge server until the TTL expires. If the origin didn't specify a TTL, the default TTL is seven days.</a:t>
-            </a:r>
-          </a:p>
-          <a:p>
-            <a:pPr algn="l">
-              <a:buFont typeface="+mj-lt"/>
-              <a:buAutoNum type="arabicPeriod"/>
-            </a:pPr>
-            <a:r>
-              <a:rPr lang="en-US" b="0" i="0" u="none" strike="noStrike" dirty="0">
-                <a:solidFill>
-                  <a:srgbClr val="000000"/>
-                </a:solidFill>
-                <a:effectLst/>
-                <a:latin typeface="Segoe UI" panose="020B0502040204020203" pitchFamily="34" charset="0"/>
-                <a:cs typeface="Segoe UI" panose="020B0502040204020203" pitchFamily="34" charset="0"/>
-              </a:rPr>
-              <a:t>Additional users may then request the same file using that same URL, and may also be directed to that same POP.</a:t>
-            </a:r>
-          </a:p>
-          <a:p>
-            <a:pPr algn="l">
-              <a:buFont typeface="+mj-lt"/>
-              <a:buAutoNum type="arabicPeriod"/>
-            </a:pPr>
-            <a:r>
-              <a:rPr lang="en-US" b="0" i="0" u="none" strike="noStrike" dirty="0">
-                <a:solidFill>
-                  <a:srgbClr val="000000"/>
-                </a:solidFill>
-                <a:effectLst/>
-                <a:latin typeface="Segoe UI" panose="020B0502040204020203" pitchFamily="34" charset="0"/>
-                <a:cs typeface="Segoe UI" panose="020B0502040204020203" pitchFamily="34" charset="0"/>
-              </a:rPr>
-              <a:t>If the TTL for the file hasn't expired, the edge server returns the file from the cache. This process results in a faster, more responsive user experience.</a:t>
-            </a:r>
-          </a:p>
-          <a:p>
-            <a:endParaRPr lang="en-US" dirty="0">
-              <a:latin typeface="Segoe UI" panose="020B0502040204020203" pitchFamily="34" charset="0"/>
-              <a:cs typeface="Segoe UI" panose="020B0502040204020203" pitchFamily="34" charset="0"/>
-            </a:endParaRPr>
+            <a:endParaRPr lang="en-US" dirty="0"/>
           </a:p>
         </p:txBody>
       </p:sp>
@@ -12014,7 +12091,7 @@
           <a:p>
             <a:fld id="{F19E9337-0361-41F3-9C17-1F4FFD1214BA}" type="slidenum">
               <a:rPr lang="en-US" smtClean="0"/>
-              <a:t>33</a:t>
+              <a:t>11</a:t>
             </a:fld>
             <a:endParaRPr lang="en-US" dirty="0"/>
           </a:p>
@@ -12023,7 +12100,7 @@
     </p:spTree>
     <p:extLst>
       <p:ext uri="{BB962C8B-B14F-4D97-AF65-F5344CB8AC3E}">
-        <p14:creationId xmlns:p14="http://schemas.microsoft.com/office/powerpoint/2010/main" val="1493123896"/>
+        <p14:creationId xmlns:p14="http://schemas.microsoft.com/office/powerpoint/2010/main" val="2668725549"/>
       </p:ext>
     </p:extLst>
   </p:cSld>
@@ -16206,7 +16283,7 @@
                 </a:solidFill>
               </a:rPr>
               <a:pPr/>
-              <a:t>27.02.2018</a:t>
+              <a:t>13.06.2018</a:t>
             </a:fld>
             <a:endParaRPr lang="de-DE">
               <a:solidFill>
@@ -16932,7 +17009,7 @@
           <a:p>
             <a:fld id="{2830D52A-5F20-49F5-B0E2-4E520F8A6D94}" type="datetimeFigureOut">
               <a:rPr lang="en-US" smtClean="0"/>
-              <a:t>2/27/2018</a:t>
+              <a:t>6/13/2018</a:t>
             </a:fld>
             <a:endParaRPr lang="en-US"/>
           </a:p>
@@ -17149,7 +17226,7 @@
           <a:p>
             <a:fld id="{2830D52A-5F20-49F5-B0E2-4E520F8A6D94}" type="datetimeFigureOut">
               <a:rPr lang="en-US" smtClean="0"/>
-              <a:t>2/27/2018</a:t>
+              <a:t>6/13/2018</a:t>
             </a:fld>
             <a:endParaRPr lang="en-US"/>
           </a:p>
@@ -17424,7 +17501,7 @@
           <a:p>
             <a:fld id="{2830D52A-5F20-49F5-B0E2-4E520F8A6D94}" type="datetimeFigureOut">
               <a:rPr lang="en-US" smtClean="0"/>
-              <a:t>2/27/2018</a:t>
+              <a:t>6/13/2018</a:t>
             </a:fld>
             <a:endParaRPr lang="en-US"/>
           </a:p>
@@ -17689,7 +17766,7 @@
           <a:p>
             <a:fld id="{2830D52A-5F20-49F5-B0E2-4E520F8A6D94}" type="datetimeFigureOut">
               <a:rPr lang="en-US" smtClean="0"/>
-              <a:t>2/27/2018</a:t>
+              <a:t>6/13/2018</a:t>
             </a:fld>
             <a:endParaRPr lang="en-US"/>
           </a:p>
@@ -18101,7 +18178,7 @@
           <a:p>
             <a:fld id="{2830D52A-5F20-49F5-B0E2-4E520F8A6D94}" type="datetimeFigureOut">
               <a:rPr lang="en-US" smtClean="0"/>
-              <a:t>2/27/2018</a:t>
+              <a:t>6/13/2018</a:t>
             </a:fld>
             <a:endParaRPr lang="en-US"/>
           </a:p>
@@ -18242,7 +18319,7 @@
           <a:p>
             <a:fld id="{2830D52A-5F20-49F5-B0E2-4E520F8A6D94}" type="datetimeFigureOut">
               <a:rPr lang="en-US" smtClean="0"/>
-              <a:t>2/27/2018</a:t>
+              <a:t>6/13/2018</a:t>
             </a:fld>
             <a:endParaRPr lang="en-US"/>
           </a:p>
@@ -18467,7 +18544,7 @@
           <a:p>
             <a:fld id="{2830D52A-5F20-49F5-B0E2-4E520F8A6D94}" type="datetimeFigureOut">
               <a:rPr lang="en-US" smtClean="0"/>
-              <a:t>2/27/2018</a:t>
+              <a:t>6/13/2018</a:t>
             </a:fld>
             <a:endParaRPr lang="en-US"/>
           </a:p>
@@ -18778,7 +18855,7 @@
           <a:p>
             <a:fld id="{2830D52A-5F20-49F5-B0E2-4E520F8A6D94}" type="datetimeFigureOut">
               <a:rPr lang="en-US" smtClean="0"/>
-              <a:t>2/27/2018</a:t>
+              <a:t>6/13/2018</a:t>
             </a:fld>
             <a:endParaRPr lang="en-US"/>
           </a:p>
@@ -19066,7 +19143,7 @@
           <a:p>
             <a:fld id="{2830D52A-5F20-49F5-B0E2-4E520F8A6D94}" type="datetimeFigureOut">
               <a:rPr lang="en-US" smtClean="0"/>
-              <a:t>2/27/2018</a:t>
+              <a:t>6/13/2018</a:t>
             </a:fld>
             <a:endParaRPr lang="en-US"/>
           </a:p>
@@ -19264,7 +19341,7 @@
           <a:p>
             <a:fld id="{2830D52A-5F20-49F5-B0E2-4E520F8A6D94}" type="datetimeFigureOut">
               <a:rPr lang="en-US" smtClean="0"/>
-              <a:t>2/27/2018</a:t>
+              <a:t>6/13/2018</a:t>
             </a:fld>
             <a:endParaRPr lang="en-US"/>
           </a:p>
@@ -19472,7 +19549,7 @@
           <a:p>
             <a:fld id="{2830D52A-5F20-49F5-B0E2-4E520F8A6D94}" type="datetimeFigureOut">
               <a:rPr lang="en-US" smtClean="0"/>
-              <a:t>2/27/2018</a:t>
+              <a:t>6/13/2018</a:t>
             </a:fld>
             <a:endParaRPr lang="en-US"/>
           </a:p>
@@ -22299,7 +22376,7 @@
           <a:p>
             <a:fld id="{2830D52A-5F20-49F5-B0E2-4E520F8A6D94}" type="datetimeFigureOut">
               <a:rPr lang="en-US" smtClean="0"/>
-              <a:t>2/27/2018</a:t>
+              <a:t>6/13/2018</a:t>
             </a:fld>
             <a:endParaRPr lang="en-US"/>
           </a:p>
@@ -22849,331 +22926,105 @@
       </p:sp>
       <p:sp>
         <p:nvSpPr>
-          <p:cNvPr id="6" name="Subtitle 2">
+          <p:cNvPr id="3" name="TextBox 2">
             <a:extLst>
               <a:ext uri="{FF2B5EF4-FFF2-40B4-BE49-F238E27FC236}">
-                <a16:creationId xmlns:a16="http://schemas.microsoft.com/office/drawing/2014/main" id="{7EA9C0A2-6978-4FF2-A770-274EAD27621C}"/>
+                <a16:creationId xmlns:a16="http://schemas.microsoft.com/office/drawing/2014/main" id="{0773FA66-A5BB-419A-B432-965803A1250D}"/>
               </a:ext>
             </a:extLst>
           </p:cNvPr>
-          <p:cNvSpPr txBox="1">
-            <a:spLocks/>
-          </p:cNvSpPr>
+          <p:cNvSpPr txBox="1"/>
           <p:nvPr/>
         </p:nvSpPr>
-        <p:spPr bwMode="auto">
+        <p:spPr>
           <a:xfrm>
-            <a:off x="369888" y="2343990"/>
-            <a:ext cx="3241675" cy="2851150"/>
+            <a:off x="333375" y="2895600"/>
+            <a:ext cx="2309991" cy="2031325"/>
           </a:xfrm>
           <a:prstGeom prst="rect">
             <a:avLst/>
           </a:prstGeom>
-          <a:solidFill>
-            <a:schemeClr val="bg1"/>
-          </a:solidFill>
-          <a:ln w="9525">
-            <a:noFill/>
-            <a:miter lim="800000"/>
-            <a:headEnd/>
-            <a:tailEnd/>
-          </a:ln>
+          <a:noFill/>
         </p:spPr>
         <p:txBody>
-          <a:bodyPr vert="horz" wrap="square" lIns="0" tIns="0" rIns="0" bIns="0" numCol="1" anchor="t" anchorCtr="0" compatLnSpc="1">
-            <a:prstTxWarp prst="textNoShape">
-              <a:avLst/>
-            </a:prstTxWarp>
+          <a:bodyPr wrap="none" rtlCol="0">
+            <a:spAutoFit/>
           </a:bodyPr>
-          <a:lstStyle>
-            <a:lvl1pPr marL="174625" indent="-174625" algn="l" rtl="0" eaLnBrk="1" fontAlgn="base" hangingPunct="1">
-              <a:lnSpc>
-                <a:spcPct val="100000"/>
-              </a:lnSpc>
-              <a:spcBef>
-                <a:spcPts val="600"/>
-              </a:spcBef>
-              <a:spcAft>
-                <a:spcPct val="0"/>
-              </a:spcAft>
-              <a:buClr>
-                <a:srgbClr val="0070C0"/>
-              </a:buClr>
-              <a:buSzPct val="90000"/>
-              <a:buFont typeface="Arial" pitchFamily="34" charset="0"/>
-              <a:buChar char="•"/>
-              <a:defRPr sz="2000">
+          <a:lstStyle/>
+          <a:p>
+            <a:r>
+              <a:rPr lang="en-US" b="0" dirty="0">
                 <a:solidFill>
                   <a:schemeClr val="bg1"/>
                 </a:solidFill>
-                <a:latin typeface="Segoe UI" pitchFamily="34" charset="0"/>
-                <a:ea typeface="Segoe UI" pitchFamily="34" charset="0"/>
-                <a:cs typeface="Segoe UI" pitchFamily="34" charset="0"/>
-              </a:defRPr>
-            </a:lvl1pPr>
-            <a:lvl2pPr marL="458788" indent="-169863" algn="l" rtl="0" eaLnBrk="1" fontAlgn="base" hangingPunct="1">
-              <a:lnSpc>
-                <a:spcPct val="100000"/>
-              </a:lnSpc>
-              <a:spcBef>
-                <a:spcPts val="600"/>
-              </a:spcBef>
-              <a:spcAft>
-                <a:spcPct val="0"/>
-              </a:spcAft>
-              <a:buClr>
-                <a:srgbClr val="0070C0"/>
-              </a:buClr>
-              <a:buSzPct val="80000"/>
-              <a:buFont typeface="Arial" pitchFamily="34" charset="0"/>
-              <a:buChar char="•"/>
-              <a:defRPr sz="2400">
+                <a:latin typeface="Segoe UI" panose="020B0502040204020203" pitchFamily="34" charset="0"/>
+                <a:cs typeface="Segoe UI" panose="020B0502040204020203" pitchFamily="34" charset="0"/>
+              </a:rPr>
+              <a:t>Speaker Information</a:t>
+            </a:r>
+            <a:r>
+              <a:rPr lang="en-US" dirty="0">
                 <a:solidFill>
-                  <a:schemeClr val="tx1"/>
+                  <a:schemeClr val="bg1"/>
                 </a:solidFill>
-                <a:latin typeface="Segoe UI" pitchFamily="34" charset="0"/>
-                <a:ea typeface="Segoe UI" pitchFamily="34" charset="0"/>
-                <a:cs typeface="Segoe UI" pitchFamily="34" charset="0"/>
-              </a:defRPr>
-            </a:lvl2pPr>
-            <a:lvl3pPr marL="854075" indent="-173038" algn="l" rtl="0" eaLnBrk="1" fontAlgn="base" hangingPunct="1">
-              <a:lnSpc>
-                <a:spcPct val="100000"/>
-              </a:lnSpc>
-              <a:spcBef>
-                <a:spcPts val="600"/>
-              </a:spcBef>
-              <a:spcAft>
-                <a:spcPct val="0"/>
-              </a:spcAft>
-              <a:buClr>
-                <a:srgbClr val="0070C0"/>
-              </a:buClr>
-              <a:buSzPct val="80000"/>
-              <a:buFont typeface="Arial" pitchFamily="34" charset="0"/>
-              <a:buChar char="•"/>
-              <a:defRPr sz="2000">
-                <a:solidFill>
-                  <a:schemeClr val="tx1"/>
-                </a:solidFill>
-                <a:latin typeface="Segoe UI" pitchFamily="34" charset="0"/>
-                <a:ea typeface="Segoe UI" pitchFamily="34" charset="0"/>
-                <a:cs typeface="Segoe UI" pitchFamily="34" charset="0"/>
-              </a:defRPr>
-            </a:lvl3pPr>
-            <a:lvl4pPr marL="1254125" indent="-165100" algn="l" rtl="0" eaLnBrk="1" fontAlgn="base" hangingPunct="1">
-              <a:lnSpc>
-                <a:spcPct val="100000"/>
-              </a:lnSpc>
-              <a:spcBef>
-                <a:spcPts val="600"/>
-              </a:spcBef>
-              <a:spcAft>
-                <a:spcPct val="0"/>
-              </a:spcAft>
-              <a:buClr>
-                <a:srgbClr val="0070C0"/>
-              </a:buClr>
-              <a:buSzPct val="90000"/>
-              <a:buFont typeface="Arial" pitchFamily="34" charset="0"/>
-              <a:buChar char="•"/>
-              <a:defRPr sz="1800">
-                <a:solidFill>
-                  <a:schemeClr val="tx1"/>
-                </a:solidFill>
-                <a:latin typeface="Segoe UI" pitchFamily="34" charset="0"/>
-                <a:ea typeface="Segoe UI" pitchFamily="34" charset="0"/>
-                <a:cs typeface="Segoe UI" pitchFamily="34" charset="0"/>
-              </a:defRPr>
-            </a:lvl4pPr>
-            <a:lvl5pPr marL="1544638" indent="-168275" algn="l" rtl="0" eaLnBrk="1" fontAlgn="base" hangingPunct="1">
-              <a:lnSpc>
-                <a:spcPct val="100000"/>
-              </a:lnSpc>
-              <a:spcBef>
-                <a:spcPts val="600"/>
-              </a:spcBef>
-              <a:spcAft>
-                <a:spcPct val="0"/>
-              </a:spcAft>
-              <a:buClr>
-                <a:srgbClr val="0070C0"/>
-              </a:buClr>
-              <a:buSzPct val="90000"/>
-              <a:buFont typeface="Arial" pitchFamily="34" charset="0"/>
-              <a:buChar char="•"/>
-              <a:defRPr sz="1800">
-                <a:solidFill>
-                  <a:schemeClr val="tx1"/>
-                </a:solidFill>
-                <a:latin typeface="Segoe UI" pitchFamily="34" charset="0"/>
-                <a:ea typeface="Segoe UI" pitchFamily="34" charset="0"/>
-                <a:cs typeface="Segoe UI" pitchFamily="34" charset="0"/>
-              </a:defRPr>
-            </a:lvl5pPr>
-            <a:lvl6pPr marL="2001838" indent="-168275" algn="l" rtl="0" eaLnBrk="1" fontAlgn="base" hangingPunct="1">
-              <a:lnSpc>
-                <a:spcPct val="90000"/>
-              </a:lnSpc>
-              <a:spcBef>
-                <a:spcPct val="70000"/>
-              </a:spcBef>
-              <a:spcAft>
-                <a:spcPct val="0"/>
-              </a:spcAft>
-              <a:buClr>
-                <a:srgbClr val="2D4A6D"/>
-              </a:buClr>
-              <a:buSzPct val="90000"/>
-              <a:buChar char="•"/>
-              <a:defRPr sz="1600">
-                <a:solidFill>
-                  <a:schemeClr val="tx1"/>
-                </a:solidFill>
-                <a:latin typeface="+mn-lt"/>
-              </a:defRPr>
-            </a:lvl6pPr>
-            <a:lvl7pPr marL="2459038" indent="-168275" algn="l" rtl="0" eaLnBrk="1" fontAlgn="base" hangingPunct="1">
-              <a:lnSpc>
-                <a:spcPct val="90000"/>
-              </a:lnSpc>
-              <a:spcBef>
-                <a:spcPct val="70000"/>
-              </a:spcBef>
-              <a:spcAft>
-                <a:spcPct val="0"/>
-              </a:spcAft>
-              <a:buClr>
-                <a:srgbClr val="2D4A6D"/>
-              </a:buClr>
-              <a:buSzPct val="90000"/>
-              <a:buChar char="•"/>
-              <a:defRPr sz="1600">
-                <a:solidFill>
-                  <a:schemeClr val="tx1"/>
-                </a:solidFill>
-                <a:latin typeface="+mn-lt"/>
-              </a:defRPr>
-            </a:lvl7pPr>
-            <a:lvl8pPr marL="2916238" indent="-168275" algn="l" rtl="0" eaLnBrk="1" fontAlgn="base" hangingPunct="1">
-              <a:lnSpc>
-                <a:spcPct val="90000"/>
-              </a:lnSpc>
-              <a:spcBef>
-                <a:spcPct val="70000"/>
-              </a:spcBef>
-              <a:spcAft>
-                <a:spcPct val="0"/>
-              </a:spcAft>
-              <a:buClr>
-                <a:srgbClr val="2D4A6D"/>
-              </a:buClr>
-              <a:buSzPct val="90000"/>
-              <a:buChar char="•"/>
-              <a:defRPr sz="1600">
-                <a:solidFill>
-                  <a:schemeClr val="tx1"/>
-                </a:solidFill>
-                <a:latin typeface="+mn-lt"/>
-              </a:defRPr>
-            </a:lvl8pPr>
-            <a:lvl9pPr marL="3373438" indent="-168275" algn="l" rtl="0" eaLnBrk="1" fontAlgn="base" hangingPunct="1">
-              <a:lnSpc>
-                <a:spcPct val="90000"/>
-              </a:lnSpc>
-              <a:spcBef>
-                <a:spcPct val="70000"/>
-              </a:spcBef>
-              <a:spcAft>
-                <a:spcPct val="0"/>
-              </a:spcAft>
-              <a:buClr>
-                <a:srgbClr val="2D4A6D"/>
-              </a:buClr>
-              <a:buSzPct val="90000"/>
-              <a:buChar char="•"/>
-              <a:defRPr sz="1600">
-                <a:solidFill>
-                  <a:schemeClr val="tx1"/>
-                </a:solidFill>
-                <a:latin typeface="+mn-lt"/>
-              </a:defRPr>
-            </a:lvl9pPr>
-          </a:lstStyle>
-          <a:p>
-            <a:pPr marL="0" indent="0">
-              <a:buClr>
+                <a:latin typeface="Segoe UI" panose="020B0502040204020203" pitchFamily="34" charset="0"/>
+                <a:cs typeface="Segoe UI" panose="020B0502040204020203" pitchFamily="34" charset="0"/>
+              </a:rPr>
+              <a:t>:</a:t>
+            </a:r>
+          </a:p>
+          <a:p>
+            <a:endParaRPr lang="en-US" dirty="0">
+              <a:solidFill>
                 <a:schemeClr val="bg1"/>
-              </a:buClr>
-              <a:buFont typeface="Arial" pitchFamily="34" charset="0"/>
-              <a:buNone/>
-            </a:pPr>
-            <a:endParaRPr lang="en-US" sz="2400" b="1" kern="0" dirty="0">
+              </a:solidFill>
+              <a:latin typeface="Segoe UI" panose="020B0502040204020203" pitchFamily="34" charset="0"/>
+              <a:cs typeface="Segoe UI" panose="020B0502040204020203" pitchFamily="34" charset="0"/>
+            </a:endParaRPr>
+          </a:p>
+          <a:p>
+            <a:endParaRPr lang="en-US" dirty="0">
               <a:solidFill>
-                <a:schemeClr val="tx1"/>
+                <a:schemeClr val="bg1"/>
               </a:solidFill>
+              <a:latin typeface="Segoe UI" panose="020B0502040204020203" pitchFamily="34" charset="0"/>
+              <a:cs typeface="Segoe UI" panose="020B0502040204020203" pitchFamily="34" charset="0"/>
             </a:endParaRPr>
           </a:p>
           <a:p>
-            <a:pPr marL="0" indent="0">
-              <a:buClr>
+            <a:endParaRPr lang="en-US" dirty="0">
+              <a:solidFill>
                 <a:schemeClr val="bg1"/>
-              </a:buClr>
-              <a:buFont typeface="Arial" pitchFamily="34" charset="0"/>
-              <a:buNone/>
-            </a:pPr>
-            <a:endParaRPr lang="en-US" sz="2400" b="1" kern="0" dirty="0">
+              </a:solidFill>
+              <a:latin typeface="Segoe UI" panose="020B0502040204020203" pitchFamily="34" charset="0"/>
+              <a:cs typeface="Segoe UI" panose="020B0502040204020203" pitchFamily="34" charset="0"/>
+            </a:endParaRPr>
+          </a:p>
+          <a:p>
+            <a:endParaRPr lang="en-US" dirty="0">
               <a:solidFill>
-                <a:schemeClr val="tx1"/>
+                <a:schemeClr val="bg1"/>
               </a:solidFill>
+              <a:latin typeface="Segoe UI" panose="020B0502040204020203" pitchFamily="34" charset="0"/>
+              <a:cs typeface="Segoe UI" panose="020B0502040204020203" pitchFamily="34" charset="0"/>
             </a:endParaRPr>
           </a:p>
           <a:p>
-            <a:pPr marL="0" indent="0" algn="ctr">
-              <a:buClr>
+            <a:endParaRPr lang="en-US" dirty="0">
+              <a:solidFill>
                 <a:schemeClr val="bg1"/>
-              </a:buClr>
-              <a:buFont typeface="Arial" pitchFamily="34" charset="0"/>
-              <a:buNone/>
-            </a:pPr>
-            <a:r>
-              <a:rPr lang="en-US" sz="2400" b="1" kern="0" dirty="0">
-                <a:solidFill>
-                  <a:schemeClr val="tx1"/>
-                </a:solidFill>
-              </a:rPr>
-              <a:t>Mohd Mishal</a:t>
-            </a:r>
-          </a:p>
-          <a:p>
-            <a:pPr marL="0" indent="0" algn="ctr">
-              <a:buClr>
+              </a:solidFill>
+              <a:latin typeface="Segoe UI" panose="020B0502040204020203" pitchFamily="34" charset="0"/>
+              <a:cs typeface="Segoe UI" panose="020B0502040204020203" pitchFamily="34" charset="0"/>
+            </a:endParaRPr>
+          </a:p>
+          <a:p>
+            <a:endParaRPr lang="en-US" dirty="0">
+              <a:solidFill>
                 <a:schemeClr val="bg1"/>
-              </a:buClr>
-              <a:buFont typeface="Arial" pitchFamily="34" charset="0"/>
-              <a:buNone/>
-            </a:pPr>
-            <a:r>
-              <a:rPr lang="en-US" sz="2400" b="1" kern="0" dirty="0">
-                <a:solidFill>
-                  <a:schemeClr val="tx1"/>
-                </a:solidFill>
-              </a:rPr>
-              <a:t>Clouds Consultant  MCT</a:t>
-            </a:r>
-          </a:p>
-          <a:p>
-            <a:pPr marL="0" indent="0">
-              <a:buClr>
-                <a:schemeClr val="bg1"/>
-              </a:buClr>
-              <a:buFont typeface="Arial" pitchFamily="34" charset="0"/>
-              <a:buNone/>
-            </a:pPr>
-            <a:endParaRPr lang="en-US" sz="1400" b="0" kern="0" dirty="0">
-              <a:solidFill>
-                <a:schemeClr val="tx1"/>
               </a:solidFill>
+              <a:latin typeface="Segoe UI" panose="020B0502040204020203" pitchFamily="34" charset="0"/>
+              <a:cs typeface="Segoe UI" panose="020B0502040204020203" pitchFamily="34" charset="0"/>
             </a:endParaRPr>
           </a:p>
         </p:txBody>
@@ -23378,7 +23229,7 @@
           <a:bodyPr/>
           <a:lstStyle/>
           <a:p>
-            <a:endParaRPr lang="en-US"/>
+            <a:endParaRPr lang="en-US" dirty="0"/>
           </a:p>
         </p:txBody>
       </p:sp>
@@ -23453,7 +23304,7 @@
           <p:nvPr>
             <p:extLst>
               <p:ext uri="{D42A27DB-BD31-4B8C-83A1-F6EECF244321}">
-                <p14:modId xmlns:p14="http://schemas.microsoft.com/office/powerpoint/2010/main" val="2173624709"/>
+                <p14:modId xmlns:p14="http://schemas.microsoft.com/office/powerpoint/2010/main" val="1434383281"/>
               </p:ext>
             </p:extLst>
           </p:nvPr>
@@ -23464,7 +23315,7 @@
         </p:xfrm>
         <a:graphic>
           <a:graphicData uri="http://schemas.openxmlformats.org/drawingml/2006/diagram">
-            <dgm:relIds xmlns:dgm="http://schemas.openxmlformats.org/drawingml/2006/diagram" xmlns:r="http://schemas.openxmlformats.org/officeDocument/2006/relationships" r:dm="rId2" r:lo="rId3" r:qs="rId4" r:cs="rId5"/>
+            <dgm:relIds xmlns:dgm="http://schemas.openxmlformats.org/drawingml/2006/diagram" xmlns:r="http://schemas.openxmlformats.org/officeDocument/2006/relationships" r:dm="rId3" r:lo="rId4" r:qs="rId5" r:cs="rId6"/>
           </a:graphicData>
         </a:graphic>
       </p:graphicFrame>
@@ -23704,7 +23555,10 @@
           <a:bodyPr/>
           <a:lstStyle/>
           <a:p>
-            <a:endParaRPr lang="en-US"/>
+            <a:r>
+              <a:rPr lang="en-US" dirty="0"/>
+              <a:t>https://docs.microsoft.com/en-us/powershell/module/azurerm.storage/new-azurermstorageaccount?view=azurermps-6.2.0</a:t>
+            </a:r>
           </a:p>
         </p:txBody>
       </p:sp>
@@ -25634,7 +25488,10 @@
           <a:bodyPr/>
           <a:lstStyle/>
           <a:p>
-            <a:endParaRPr lang="en-US"/>
+            <a:r>
+              <a:rPr lang="en-US" dirty="0"/>
+              <a:t>https://docs.microsoft.com/en-us/azure/cosmos-db/table-storage-overview</a:t>
+            </a:r>
           </a:p>
         </p:txBody>
       </p:sp>
@@ -30519,7 +30376,7 @@
           <a:p>
             <a:r>
               <a:rPr lang="en-US" dirty="0"/>
-              <a:t>Create File Share using PowerShell </a:t>
+              <a:t>https://docs.microsoft.com/en-us/azure/storage/files/storage-how-to-create-file-share</a:t>
             </a:r>
           </a:p>
         </p:txBody>
@@ -30620,7 +30477,10 @@
           <a:bodyPr/>
           <a:lstStyle/>
           <a:p>
-            <a:endParaRPr lang="en-US"/>
+            <a:r>
+              <a:rPr lang="en-US" dirty="0"/>
+              <a:t>https://docs.microsoft.com/en-us/azure/storage/files/storage-how-to-create-file-share</a:t>
+            </a:r>
           </a:p>
         </p:txBody>
       </p:sp>
